--- a/rec-notes/r10.pptx
+++ b/rec-notes/r10.pptx
@@ -137,6 +137,9 @@
     <p:ext uri="{EFAFB233-063F-42B5-8137-9DF3F51BA10A}">
       <p15:sldGuideLst xmlns:p15="http://schemas.microsoft.com/office/powerpoint/2012/main"/>
     </p:ext>
+    <p:ext uri="{2D200454-40CA-4A62-9FC3-DE9A4176ACB9}">
+      <p15:notesGuideLst xmlns:p15="http://schemas.microsoft.com/office/powerpoint/2012/main"/>
+    </p:ext>
   </p:extLst>
 </p:presentation>
 </file>
@@ -223,7 +226,7 @@
           <a:p>
             <a:fld id="{19159763-998A-CB43-B43E-2E4F1B2B5C3C}" type="datetimeFigureOut">
               <a:rPr lang="en-US" smtClean="0"/>
-              <a:t>11/4/20</a:t>
+              <a:t>11/5/20</a:t>
             </a:fld>
             <a:endParaRPr lang="en-US"/>
           </a:p>
@@ -2787,7 +2790,7 @@
           <a:p>
             <a:fld id="{1DEB78F0-68C7-0E49-95CC-08A66D22A746}" type="datetime1">
               <a:rPr lang="en-US" smtClean="0"/>
-              <a:t>11/4/20</a:t>
+              <a:t>11/5/20</a:t>
             </a:fld>
             <a:endParaRPr lang="en-US"/>
           </a:p>
@@ -2957,7 +2960,7 @@
           <a:p>
             <a:fld id="{60FEAE86-EC09-924E-BEAB-F1F328726C5F}" type="datetime1">
               <a:rPr lang="en-US" smtClean="0"/>
-              <a:t>11/4/20</a:t>
+              <a:t>11/5/20</a:t>
             </a:fld>
             <a:endParaRPr lang="en-US"/>
           </a:p>
@@ -3137,7 +3140,7 @@
           <a:p>
             <a:fld id="{7CF0029C-1012-EE4D-8EA4-FAAF64134317}" type="datetime1">
               <a:rPr lang="en-US" smtClean="0"/>
-              <a:t>11/4/20</a:t>
+              <a:t>11/5/20</a:t>
             </a:fld>
             <a:endParaRPr lang="en-US"/>
           </a:p>
@@ -3307,7 +3310,7 @@
           <a:p>
             <a:fld id="{36050C46-1997-4944-9F67-935CE6AE2CCA}" type="datetime1">
               <a:rPr lang="en-US" smtClean="0"/>
-              <a:t>11/4/20</a:t>
+              <a:t>11/5/20</a:t>
             </a:fld>
             <a:endParaRPr lang="en-US"/>
           </a:p>
@@ -3558,7 +3561,7 @@
           <a:p>
             <a:fld id="{744496E9-F33D-5542-9BEE-D5C240C8191D}" type="datetime1">
               <a:rPr lang="en-US" smtClean="0"/>
-              <a:t>11/4/20</a:t>
+              <a:t>11/5/20</a:t>
             </a:fld>
             <a:endParaRPr lang="en-US"/>
           </a:p>
@@ -3795,7 +3798,7 @@
           <a:p>
             <a:fld id="{08F77037-1E00-7C4B-BF29-EA7B170D98D6}" type="datetime1">
               <a:rPr lang="en-US" smtClean="0"/>
-              <a:t>11/4/20</a:t>
+              <a:t>11/5/20</a:t>
             </a:fld>
             <a:endParaRPr lang="en-US"/>
           </a:p>
@@ -4162,7 +4165,7 @@
           <a:p>
             <a:fld id="{9E39D2A9-34D7-7241-8ECC-9407FD973940}" type="datetime1">
               <a:rPr lang="en-US" smtClean="0"/>
-              <a:t>11/4/20</a:t>
+              <a:t>11/5/20</a:t>
             </a:fld>
             <a:endParaRPr lang="en-US"/>
           </a:p>
@@ -4280,7 +4283,7 @@
           <a:p>
             <a:fld id="{FB7CBCA1-CDA8-B44A-AA00-F15218F50BFF}" type="datetime1">
               <a:rPr lang="en-US" smtClean="0"/>
-              <a:t>11/4/20</a:t>
+              <a:t>11/5/20</a:t>
             </a:fld>
             <a:endParaRPr lang="en-US"/>
           </a:p>
@@ -4375,7 +4378,7 @@
           <a:p>
             <a:fld id="{E0998299-2BFC-DB49-A3FA-6E496B0CCC38}" type="datetime1">
               <a:rPr lang="en-US" smtClean="0"/>
-              <a:t>11/4/20</a:t>
+              <a:t>11/5/20</a:t>
             </a:fld>
             <a:endParaRPr lang="en-US"/>
           </a:p>
@@ -4652,7 +4655,7 @@
           <a:p>
             <a:fld id="{1712A07A-E830-A240-928B-2479070140C1}" type="datetime1">
               <a:rPr lang="en-US" smtClean="0"/>
-              <a:t>11/4/20</a:t>
+              <a:t>11/5/20</a:t>
             </a:fld>
             <a:endParaRPr lang="en-US"/>
           </a:p>
@@ -4909,7 +4912,7 @@
           <a:p>
             <a:fld id="{407A388A-A979-CE43-BCB3-BA4FE0E1B5BD}" type="datetime1">
               <a:rPr lang="en-US" smtClean="0"/>
-              <a:t>11/4/20</a:t>
+              <a:t>11/5/20</a:t>
             </a:fld>
             <a:endParaRPr lang="en-US"/>
           </a:p>
@@ -5122,7 +5125,7 @@
           <a:p>
             <a:fld id="{52D3C10B-3E27-5F48-A8F9-0546E1F50D0C}" type="datetime1">
               <a:rPr lang="en-US" smtClean="0"/>
-              <a:t>11/4/20</a:t>
+              <a:t>11/5/20</a:t>
             </a:fld>
             <a:endParaRPr lang="en-US"/>
           </a:p>
@@ -5650,7 +5653,7 @@
           <p:cNvPr id="2" name="Title 1">
             <a:extLst>
               <a:ext uri="{FF2B5EF4-FFF2-40B4-BE49-F238E27FC236}">
-                <a16:creationId xmlns:a16="http://schemas.microsoft.com/office/drawing/2014/main" xmlns="" id="{1B8DA28A-1396-4FB6-A91A-D142BA349E23}"/>
+                <a16:creationId xmlns="" xmlns:a16="http://schemas.microsoft.com/office/drawing/2014/main" id="{1B8DA28A-1396-4FB6-A91A-D142BA349E23}"/>
               </a:ext>
             </a:extLst>
           </p:cNvPr>
@@ -5683,7 +5686,7 @@
           <p:cNvPr id="3" name="Content Placeholder 2">
             <a:extLst>
               <a:ext uri="{FF2B5EF4-FFF2-40B4-BE49-F238E27FC236}">
-                <a16:creationId xmlns:a16="http://schemas.microsoft.com/office/drawing/2014/main" xmlns="" id="{72FE3F42-C4E1-44A5-BF14-5DC03E08435C}"/>
+                <a16:creationId xmlns="" xmlns:a16="http://schemas.microsoft.com/office/drawing/2014/main" id="{72FE3F42-C4E1-44A5-BF14-5DC03E08435C}"/>
               </a:ext>
             </a:extLst>
           </p:cNvPr>
@@ -5932,7 +5935,7 @@
           <p:cNvPr id="5" name="Oval 4">
             <a:extLst>
               <a:ext uri="{FF2B5EF4-FFF2-40B4-BE49-F238E27FC236}">
-                <a16:creationId xmlns:a16="http://schemas.microsoft.com/office/drawing/2014/main" xmlns="" id="{D648659F-16C2-41F8-96C1-B2A4B339602A}"/>
+                <a16:creationId xmlns="" xmlns:a16="http://schemas.microsoft.com/office/drawing/2014/main" id="{D648659F-16C2-41F8-96C1-B2A4B339602A}"/>
               </a:ext>
             </a:extLst>
           </p:cNvPr>
@@ -6122,7 +6125,7 @@
           <p:cNvPr id="7" name="Picture 6">
             <a:extLst>
               <a:ext uri="{FF2B5EF4-FFF2-40B4-BE49-F238E27FC236}">
-                <a16:creationId xmlns:a16="http://schemas.microsoft.com/office/drawing/2014/main" xmlns="" id="{840B5547-EA02-4993-BC05-ECD305E01184}"/>
+                <a16:creationId xmlns="" xmlns:a16="http://schemas.microsoft.com/office/drawing/2014/main" id="{840B5547-EA02-4993-BC05-ECD305E01184}"/>
               </a:ext>
             </a:extLst>
           </p:cNvPr>
@@ -6578,7 +6581,7 @@
           <p:cNvPr id="2" name="Title 1">
             <a:extLst>
               <a:ext uri="{FF2B5EF4-FFF2-40B4-BE49-F238E27FC236}">
-                <a16:creationId xmlns:a16="http://schemas.microsoft.com/office/drawing/2014/main" xmlns="" id="{3E210EB8-89EC-42AB-BC0E-28220A9B8DA7}"/>
+                <a16:creationId xmlns="" xmlns:a16="http://schemas.microsoft.com/office/drawing/2014/main" id="{3E210EB8-89EC-42AB-BC0E-28220A9B8DA7}"/>
               </a:ext>
             </a:extLst>
           </p:cNvPr>
@@ -6625,7 +6628,7 @@
           <p:cNvPr id="3" name="Content Placeholder 2">
             <a:extLst>
               <a:ext uri="{FF2B5EF4-FFF2-40B4-BE49-F238E27FC236}">
-                <a16:creationId xmlns:a16="http://schemas.microsoft.com/office/drawing/2014/main" xmlns="" id="{3F4D1867-CA82-481E-B6A0-358BFB97BBF5}"/>
+                <a16:creationId xmlns="" xmlns:a16="http://schemas.microsoft.com/office/drawing/2014/main" id="{3F4D1867-CA82-481E-B6A0-358BFB97BBF5}"/>
               </a:ext>
             </a:extLst>
           </p:cNvPr>
@@ -6716,7 +6719,7 @@
           <p:cNvPr id="4" name="Oval 3">
             <a:extLst>
               <a:ext uri="{FF2B5EF4-FFF2-40B4-BE49-F238E27FC236}">
-                <a16:creationId xmlns:a16="http://schemas.microsoft.com/office/drawing/2014/main" xmlns="" id="{E499E64A-90FC-4D2C-ACD8-CA14E9A76BAE}"/>
+                <a16:creationId xmlns="" xmlns:a16="http://schemas.microsoft.com/office/drawing/2014/main" id="{E499E64A-90FC-4D2C-ACD8-CA14E9A76BAE}"/>
               </a:ext>
             </a:extLst>
           </p:cNvPr>
@@ -6768,7 +6771,7 @@
           <p:cNvPr id="5" name="Picture 4">
             <a:extLst>
               <a:ext uri="{FF2B5EF4-FFF2-40B4-BE49-F238E27FC236}">
-                <a16:creationId xmlns:a16="http://schemas.microsoft.com/office/drawing/2014/main" xmlns="" id="{9285E1F3-033A-494F-8D06-0C53D58019B1}"/>
+                <a16:creationId xmlns="" xmlns:a16="http://schemas.microsoft.com/office/drawing/2014/main" id="{9285E1F3-033A-494F-8D06-0C53D58019B1}"/>
               </a:ext>
             </a:extLst>
           </p:cNvPr>
@@ -7549,7 +7552,7 @@
           <p:cNvPr id="2" name="Title 1">
             <a:extLst>
               <a:ext uri="{FF2B5EF4-FFF2-40B4-BE49-F238E27FC236}">
-                <a16:creationId xmlns:a16="http://schemas.microsoft.com/office/drawing/2014/main" xmlns="" id="{6AB6179E-352C-4A18-A61A-E158DBB46EB5}"/>
+                <a16:creationId xmlns="" xmlns:a16="http://schemas.microsoft.com/office/drawing/2014/main" id="{6AB6179E-352C-4A18-A61A-E158DBB46EB5}"/>
               </a:ext>
             </a:extLst>
           </p:cNvPr>
@@ -7593,7 +7596,7 @@
           <p:cNvPr id="3" name="Content Placeholder 2">
             <a:extLst>
               <a:ext uri="{FF2B5EF4-FFF2-40B4-BE49-F238E27FC236}">
-                <a16:creationId xmlns:a16="http://schemas.microsoft.com/office/drawing/2014/main" xmlns="" id="{5BF9E356-1A05-4B8E-AD64-B241554453FB}"/>
+                <a16:creationId xmlns="" xmlns:a16="http://schemas.microsoft.com/office/drawing/2014/main" id="{5BF9E356-1A05-4B8E-AD64-B241554453FB}"/>
               </a:ext>
             </a:extLst>
           </p:cNvPr>
@@ -7724,8 +7727,21 @@
             </a:r>
             <a:r>
               <a:rPr lang="en-US" dirty="0"/>
-              <a:t>  $0x4,(%rdi,%rsi,8)`</a:t>
-            </a:r>
+              <a:t>  $</a:t>
+            </a:r>
+            <a:r>
+              <a:rPr lang="en-US" dirty="0" smtClean="0"/>
+              <a:t>0x4, (%</a:t>
+            </a:r>
+            <a:r>
+              <a:rPr lang="en-US" dirty="0"/>
+              <a:t>rdi,%</a:t>
+            </a:r>
+            <a:r>
+              <a:rPr lang="en-US" dirty="0" smtClean="0"/>
+              <a:t>rsi,8)`</a:t>
+            </a:r>
+            <a:endParaRPr lang="en-US" dirty="0"/>
           </a:p>
           <a:p>
             <a:pPr marL="514350" indent="-514350">
@@ -7770,7 +7786,7 @@
           <p:cNvPr id="4" name="Oval 3">
             <a:extLst>
               <a:ext uri="{FF2B5EF4-FFF2-40B4-BE49-F238E27FC236}">
-                <a16:creationId xmlns:a16="http://schemas.microsoft.com/office/drawing/2014/main" xmlns="" id="{0AEDE454-C368-4E8F-A13D-57775EBFCA2E}"/>
+                <a16:creationId xmlns="" xmlns:a16="http://schemas.microsoft.com/office/drawing/2014/main" id="{0AEDE454-C368-4E8F-A13D-57775EBFCA2E}"/>
               </a:ext>
             </a:extLst>
           </p:cNvPr>
@@ -9221,7 +9237,7 @@
           <p:cNvPr id="2" name="Title 1">
             <a:extLst>
               <a:ext uri="{FF2B5EF4-FFF2-40B4-BE49-F238E27FC236}">
-                <a16:creationId xmlns:a16="http://schemas.microsoft.com/office/drawing/2014/main" xmlns="" id="{B1331EB2-DA05-4C23-A92A-6091E27533A5}"/>
+                <a16:creationId xmlns="" xmlns:a16="http://schemas.microsoft.com/office/drawing/2014/main" id="{B1331EB2-DA05-4C23-A92A-6091E27533A5}"/>
               </a:ext>
             </a:extLst>
           </p:cNvPr>
@@ -9267,7 +9283,7 @@
           <p:cNvPr id="3" name="Content Placeholder 2">
             <a:extLst>
               <a:ext uri="{FF2B5EF4-FFF2-40B4-BE49-F238E27FC236}">
-                <a16:creationId xmlns:a16="http://schemas.microsoft.com/office/drawing/2014/main" xmlns="" id="{6A3C0BEE-99D6-416D-8073-853AD1AEA2C4}"/>
+                <a16:creationId xmlns="" xmlns:a16="http://schemas.microsoft.com/office/drawing/2014/main" id="{6A3C0BEE-99D6-416D-8073-853AD1AEA2C4}"/>
               </a:ext>
             </a:extLst>
           </p:cNvPr>
@@ -9338,7 +9354,7 @@
           <p:cNvPr id="5" name="Oval 4">
             <a:extLst>
               <a:ext uri="{FF2B5EF4-FFF2-40B4-BE49-F238E27FC236}">
-                <a16:creationId xmlns:a16="http://schemas.microsoft.com/office/drawing/2014/main" xmlns="" id="{B5236392-6910-42BB-844A-5AE748E2B48B}"/>
+                <a16:creationId xmlns="" xmlns:a16="http://schemas.microsoft.com/office/drawing/2014/main" id="{B5236392-6910-42BB-844A-5AE748E2B48B}"/>
               </a:ext>
             </a:extLst>
           </p:cNvPr>
@@ -9390,7 +9406,7 @@
           <p:cNvPr id="6" name="Picture 5">
             <a:extLst>
               <a:ext uri="{FF2B5EF4-FFF2-40B4-BE49-F238E27FC236}">
-                <a16:creationId xmlns:a16="http://schemas.microsoft.com/office/drawing/2014/main" xmlns="" id="{15F7C19B-252C-4A18-BE7F-9BC77FD20575}"/>
+                <a16:creationId xmlns="" xmlns:a16="http://schemas.microsoft.com/office/drawing/2014/main" id="{15F7C19B-252C-4A18-BE7F-9BC77FD20575}"/>
               </a:ext>
             </a:extLst>
           </p:cNvPr>
@@ -9551,7 +9567,7 @@
           <p:cNvPr id="2" name="Title 1">
             <a:extLst>
               <a:ext uri="{FF2B5EF4-FFF2-40B4-BE49-F238E27FC236}">
-                <a16:creationId xmlns:a16="http://schemas.microsoft.com/office/drawing/2014/main" xmlns="" id="{251A7028-9614-48FD-9BD1-0CEFF7C59211}"/>
+                <a16:creationId xmlns="" xmlns:a16="http://schemas.microsoft.com/office/drawing/2014/main" id="{251A7028-9614-48FD-9BD1-0CEFF7C59211}"/>
               </a:ext>
             </a:extLst>
           </p:cNvPr>
@@ -9588,7 +9604,7 @@
           <p:cNvPr id="3" name="Content Placeholder 2">
             <a:extLst>
               <a:ext uri="{FF2B5EF4-FFF2-40B4-BE49-F238E27FC236}">
-                <a16:creationId xmlns:a16="http://schemas.microsoft.com/office/drawing/2014/main" xmlns="" id="{BC95B898-B725-49CF-809F-666AC2899706}"/>
+                <a16:creationId xmlns="" xmlns:a16="http://schemas.microsoft.com/office/drawing/2014/main" id="{BC95B898-B725-49CF-809F-666AC2899706}"/>
               </a:ext>
             </a:extLst>
           </p:cNvPr>
@@ -9829,7 +9845,7 @@
           <p:cNvPr id="4" name="Oval 3">
             <a:extLst>
               <a:ext uri="{FF2B5EF4-FFF2-40B4-BE49-F238E27FC236}">
-                <a16:creationId xmlns:a16="http://schemas.microsoft.com/office/drawing/2014/main" xmlns="" id="{6CA19F3D-D8D0-4DB7-88B4-1D2EEA565B90}"/>
+                <a16:creationId xmlns="" xmlns:a16="http://schemas.microsoft.com/office/drawing/2014/main" id="{6CA19F3D-D8D0-4DB7-88B4-1D2EEA565B90}"/>
               </a:ext>
             </a:extLst>
           </p:cNvPr>
@@ -9939,8 +9955,16 @@
               <a:buChar char="•"/>
             </a:pPr>
             <a:r>
+              <a:rPr lang="en-US" dirty="0" err="1" smtClean="0"/>
+              <a:t>val</a:t>
+            </a:r>
+            <a:r>
               <a:rPr lang="en-US" dirty="0" smtClean="0"/>
-              <a:t>stored in memory (stack)</a:t>
+              <a:t>(p) is stored </a:t>
+            </a:r>
+            <a:r>
+              <a:rPr lang="en-US" dirty="0" smtClean="0"/>
+              <a:t>in memory (stack)</a:t>
             </a:r>
           </a:p>
           <a:p>
@@ -17870,7 +17894,7 @@
           <p:cNvPr id="4" name="Picture 3">
             <a:extLst>
               <a:ext uri="{FF2B5EF4-FFF2-40B4-BE49-F238E27FC236}">
-                <a16:creationId xmlns:a16="http://schemas.microsoft.com/office/drawing/2014/main" xmlns="" id="{840B5547-EA02-4993-BC05-ECD305E01184}"/>
+                <a16:creationId xmlns="" xmlns:a16="http://schemas.microsoft.com/office/drawing/2014/main" id="{840B5547-EA02-4993-BC05-ECD305E01184}"/>
               </a:ext>
             </a:extLst>
           </p:cNvPr>
@@ -17960,7 +17984,7 @@
           <p:cNvPr id="2" name="Title 1">
             <a:extLst>
               <a:ext uri="{FF2B5EF4-FFF2-40B4-BE49-F238E27FC236}">
-                <a16:creationId xmlns:a16="http://schemas.microsoft.com/office/drawing/2014/main" xmlns="" id="{1DADD99D-EC8F-4323-9907-2649C1D0B9B0}"/>
+                <a16:creationId xmlns="" xmlns:a16="http://schemas.microsoft.com/office/drawing/2014/main" id="{1DADD99D-EC8F-4323-9907-2649C1D0B9B0}"/>
               </a:ext>
             </a:extLst>
           </p:cNvPr>
@@ -17997,7 +18021,7 @@
           <p:cNvPr id="3" name="Content Placeholder 2">
             <a:extLst>
               <a:ext uri="{FF2B5EF4-FFF2-40B4-BE49-F238E27FC236}">
-                <a16:creationId xmlns:a16="http://schemas.microsoft.com/office/drawing/2014/main" xmlns="" id="{6305400B-5EF9-4427-A496-D0CB8F902A23}"/>
+                <a16:creationId xmlns="" xmlns:a16="http://schemas.microsoft.com/office/drawing/2014/main" id="{6305400B-5EF9-4427-A496-D0CB8F902A23}"/>
               </a:ext>
             </a:extLst>
           </p:cNvPr>
@@ -18337,7 +18361,7 @@
           <p:cNvPr id="22" name="Oval 21">
             <a:extLst>
               <a:ext uri="{FF2B5EF4-FFF2-40B4-BE49-F238E27FC236}">
-                <a16:creationId xmlns:a16="http://schemas.microsoft.com/office/drawing/2014/main" xmlns="" id="{BCDDCA28-43D0-4FF5-9AA5-9845FDAE1D41}"/>
+                <a16:creationId xmlns="" xmlns:a16="http://schemas.microsoft.com/office/drawing/2014/main" id="{BCDDCA28-43D0-4FF5-9AA5-9845FDAE1D41}"/>
               </a:ext>
             </a:extLst>
           </p:cNvPr>
@@ -18389,7 +18413,7 @@
           <p:cNvPr id="5" name="Picture 4">
             <a:extLst>
               <a:ext uri="{FF2B5EF4-FFF2-40B4-BE49-F238E27FC236}">
-                <a16:creationId xmlns:a16="http://schemas.microsoft.com/office/drawing/2014/main" xmlns="" id="{840B5547-EA02-4993-BC05-ECD305E01184}"/>
+                <a16:creationId xmlns="" xmlns:a16="http://schemas.microsoft.com/office/drawing/2014/main" id="{840B5547-EA02-4993-BC05-ECD305E01184}"/>
               </a:ext>
             </a:extLst>
           </p:cNvPr>
@@ -19367,7 +19391,7 @@
           <p:cNvPr id="2" name="Title 1">
             <a:extLst>
               <a:ext uri="{FF2B5EF4-FFF2-40B4-BE49-F238E27FC236}">
-                <a16:creationId xmlns:a16="http://schemas.microsoft.com/office/drawing/2014/main" xmlns="" id="{A44E97DA-7899-491F-A163-0913E84E4B59}"/>
+                <a16:creationId xmlns="" xmlns:a16="http://schemas.microsoft.com/office/drawing/2014/main" id="{A44E97DA-7899-491F-A163-0913E84E4B59}"/>
               </a:ext>
             </a:extLst>
           </p:cNvPr>
@@ -19396,7 +19420,7 @@
           <p:cNvPr id="3" name="Content Placeholder 2">
             <a:extLst>
               <a:ext uri="{FF2B5EF4-FFF2-40B4-BE49-F238E27FC236}">
-                <a16:creationId xmlns:a16="http://schemas.microsoft.com/office/drawing/2014/main" xmlns="" id="{8E17B274-7568-41B8-8C91-EFC52BDE3DCF}"/>
+                <a16:creationId xmlns="" xmlns:a16="http://schemas.microsoft.com/office/drawing/2014/main" id="{8E17B274-7568-41B8-8C91-EFC52BDE3DCF}"/>
               </a:ext>
             </a:extLst>
           </p:cNvPr>
@@ -19639,7 +19663,7 @@
           <p:cNvPr id="11" name="Oval 10">
             <a:extLst>
               <a:ext uri="{FF2B5EF4-FFF2-40B4-BE49-F238E27FC236}">
-                <a16:creationId xmlns:a16="http://schemas.microsoft.com/office/drawing/2014/main" xmlns="" id="{2C956BF3-4814-4AC7-ABFE-39C7F924CB4B}"/>
+                <a16:creationId xmlns="" xmlns:a16="http://schemas.microsoft.com/office/drawing/2014/main" id="{2C956BF3-4814-4AC7-ABFE-39C7F924CB4B}"/>
               </a:ext>
             </a:extLst>
           </p:cNvPr>
@@ -19695,7 +19719,7 @@
         <p:spPr>
           <a:xfrm>
             <a:off x="7632700" y="3149600"/>
-            <a:ext cx="3949700" cy="3139321"/>
+            <a:ext cx="3949700" cy="2862322"/>
           </a:xfrm>
           <a:prstGeom prst="rect">
             <a:avLst/>
@@ -19848,44 +19872,6 @@
             <a:r>
               <a:rPr lang="en-US" dirty="0"/>
               <a:t>&gt;</a:t>
-            </a:r>
-          </a:p>
-          <a:p>
-            <a:pPr marL="742950" lvl="1" indent="-285750">
-              <a:buFont typeface="Arial" charset="0"/>
-              <a:buChar char="•"/>
-            </a:pPr>
-            <a:r>
-              <a:rPr lang="en-US" dirty="0" err="1"/>
-              <a:t>val</a:t>
-            </a:r>
-            <a:r>
-              <a:rPr lang="en-US" dirty="0"/>
-              <a:t>(%</a:t>
-            </a:r>
-            <a:r>
-              <a:rPr lang="en-US" dirty="0" err="1"/>
-              <a:t>rsp</a:t>
-            </a:r>
-            <a:r>
-              <a:rPr lang="en-US" dirty="0"/>
-              <a:t>)=</a:t>
-            </a:r>
-            <a:r>
-              <a:rPr lang="en-US" altLang="en-US" dirty="0">
-                <a:latin typeface="Courier New" panose="02070309020205020404" pitchFamily="49" charset="0"/>
-                <a:ea typeface="inherit"/>
-                <a:cs typeface="Courier New" panose="02070309020205020404" pitchFamily="49" charset="0"/>
-              </a:rPr>
-              <a:t> </a:t>
-            </a:r>
-            <a:r>
-              <a:rPr lang="en-US" altLang="en-US" dirty="0" smtClean="0">
-                <a:latin typeface="Courier New" panose="02070309020205020404" pitchFamily="49" charset="0"/>
-                <a:ea typeface="inherit"/>
-                <a:cs typeface="Courier New" panose="02070309020205020404" pitchFamily="49" charset="0"/>
-              </a:rPr>
-              <a:t>0x7fff856001c0</a:t>
             </a:r>
           </a:p>
           <a:p>
@@ -20090,7 +20076,7 @@
                                         <p:tgtEl>
                                           <p:spTgt spid="4">
                                             <p:txEl>
-                                              <p:pRg st="6" end="6"/>
+                                              <p:pRg st="5" end="5"/>
                                             </p:txEl>
                                           </p:spTgt>
                                         </p:tgtEl>
@@ -20207,7 +20193,7 @@
           <p:cNvPr id="2" name="Title 1">
             <a:extLst>
               <a:ext uri="{FF2B5EF4-FFF2-40B4-BE49-F238E27FC236}">
-                <a16:creationId xmlns:a16="http://schemas.microsoft.com/office/drawing/2014/main" xmlns="" id="{C8829D45-0D58-4F8C-9004-980AC00AEF68}"/>
+                <a16:creationId xmlns="" xmlns:a16="http://schemas.microsoft.com/office/drawing/2014/main" id="{C8829D45-0D58-4F8C-9004-980AC00AEF68}"/>
               </a:ext>
             </a:extLst>
           </p:cNvPr>
@@ -20236,7 +20222,7 @@
           <p:cNvPr id="3" name="Content Placeholder 2">
             <a:extLst>
               <a:ext uri="{FF2B5EF4-FFF2-40B4-BE49-F238E27FC236}">
-                <a16:creationId xmlns:a16="http://schemas.microsoft.com/office/drawing/2014/main" xmlns="" id="{71F72C8E-DFDD-4365-BBB0-1BD91A7A2EBF}"/>
+                <a16:creationId xmlns="" xmlns:a16="http://schemas.microsoft.com/office/drawing/2014/main" id="{71F72C8E-DFDD-4365-BBB0-1BD91A7A2EBF}"/>
               </a:ext>
             </a:extLst>
           </p:cNvPr>
@@ -20333,7 +20319,7 @@
           <p:cNvPr id="4" name="Oval 3">
             <a:extLst>
               <a:ext uri="{FF2B5EF4-FFF2-40B4-BE49-F238E27FC236}">
-                <a16:creationId xmlns:a16="http://schemas.microsoft.com/office/drawing/2014/main" xmlns="" id="{FFC9029A-5E69-4C43-AD41-0636CE76CC2A}"/>
+                <a16:creationId xmlns="" xmlns:a16="http://schemas.microsoft.com/office/drawing/2014/main" id="{FFC9029A-5E69-4C43-AD41-0636CE76CC2A}"/>
               </a:ext>
             </a:extLst>
           </p:cNvPr>
@@ -21013,7 +20999,7 @@
           <p:cNvPr id="2" name="Title 1">
             <a:extLst>
               <a:ext uri="{FF2B5EF4-FFF2-40B4-BE49-F238E27FC236}">
-                <a16:creationId xmlns:a16="http://schemas.microsoft.com/office/drawing/2014/main" xmlns="" id="{40CF34C5-3032-4A47-A381-51BD8DBFEE17}"/>
+                <a16:creationId xmlns="" xmlns:a16="http://schemas.microsoft.com/office/drawing/2014/main" id="{40CF34C5-3032-4A47-A381-51BD8DBFEE17}"/>
               </a:ext>
             </a:extLst>
           </p:cNvPr>
@@ -21045,7 +21031,7 @@
           <p:cNvPr id="3" name="Content Placeholder 2">
             <a:extLst>
               <a:ext uri="{FF2B5EF4-FFF2-40B4-BE49-F238E27FC236}">
-                <a16:creationId xmlns:a16="http://schemas.microsoft.com/office/drawing/2014/main" xmlns="" id="{9E316FD5-E50A-490A-8FE8-499C8CF05274}"/>
+                <a16:creationId xmlns="" xmlns:a16="http://schemas.microsoft.com/office/drawing/2014/main" id="{9E316FD5-E50A-490A-8FE8-499C8CF05274}"/>
               </a:ext>
             </a:extLst>
           </p:cNvPr>
@@ -21119,7 +21105,7 @@
           <p:cNvPr id="5" name="Oval 4">
             <a:extLst>
               <a:ext uri="{FF2B5EF4-FFF2-40B4-BE49-F238E27FC236}">
-                <a16:creationId xmlns:a16="http://schemas.microsoft.com/office/drawing/2014/main" xmlns="" id="{9EF083D3-56B7-417B-9C52-A845DE13521F}"/>
+                <a16:creationId xmlns="" xmlns:a16="http://schemas.microsoft.com/office/drawing/2014/main" id="{9EF083D3-56B7-417B-9C52-A845DE13521F}"/>
               </a:ext>
             </a:extLst>
           </p:cNvPr>
@@ -21171,7 +21157,7 @@
           <p:cNvPr id="6" name="Picture 5">
             <a:extLst>
               <a:ext uri="{FF2B5EF4-FFF2-40B4-BE49-F238E27FC236}">
-                <a16:creationId xmlns:a16="http://schemas.microsoft.com/office/drawing/2014/main" xmlns="" id="{840B5547-EA02-4993-BC05-ECD305E01184}"/>
+                <a16:creationId xmlns="" xmlns:a16="http://schemas.microsoft.com/office/drawing/2014/main" id="{840B5547-EA02-4993-BC05-ECD305E01184}"/>
               </a:ext>
             </a:extLst>
           </p:cNvPr>
@@ -21724,7 +21710,7 @@
           <p:cNvPr id="2" name="Title 1">
             <a:extLst>
               <a:ext uri="{FF2B5EF4-FFF2-40B4-BE49-F238E27FC236}">
-                <a16:creationId xmlns:a16="http://schemas.microsoft.com/office/drawing/2014/main" xmlns="" id="{A1325D07-31D2-4D39-9DB0-B7E4521A8230}"/>
+                <a16:creationId xmlns="" xmlns:a16="http://schemas.microsoft.com/office/drawing/2014/main" id="{A1325D07-31D2-4D39-9DB0-B7E4521A8230}"/>
               </a:ext>
             </a:extLst>
           </p:cNvPr>
@@ -21756,7 +21742,7 @@
           <p:cNvPr id="3" name="Content Placeholder 2">
             <a:extLst>
               <a:ext uri="{FF2B5EF4-FFF2-40B4-BE49-F238E27FC236}">
-                <a16:creationId xmlns:a16="http://schemas.microsoft.com/office/drawing/2014/main" xmlns="" id="{4ACE1BFC-21C7-4952-8BC3-71DAAC93EE6D}"/>
+                <a16:creationId xmlns="" xmlns:a16="http://schemas.microsoft.com/office/drawing/2014/main" id="{4ACE1BFC-21C7-4952-8BC3-71DAAC93EE6D}"/>
               </a:ext>
             </a:extLst>
           </p:cNvPr>
@@ -21845,7 +21831,7 @@
           <p:cNvPr id="5" name="Oval 4">
             <a:extLst>
               <a:ext uri="{FF2B5EF4-FFF2-40B4-BE49-F238E27FC236}">
-                <a16:creationId xmlns:a16="http://schemas.microsoft.com/office/drawing/2014/main" xmlns="" id="{0BEE0473-4BAB-47A5-9B9C-B56E6A922CA7}"/>
+                <a16:creationId xmlns="" xmlns:a16="http://schemas.microsoft.com/office/drawing/2014/main" id="{0BEE0473-4BAB-47A5-9B9C-B56E6A922CA7}"/>
               </a:ext>
             </a:extLst>
           </p:cNvPr>
@@ -22063,7 +22049,7 @@
           <p:cNvPr id="8" name="Picture 7">
             <a:extLst>
               <a:ext uri="{FF2B5EF4-FFF2-40B4-BE49-F238E27FC236}">
-                <a16:creationId xmlns:a16="http://schemas.microsoft.com/office/drawing/2014/main" xmlns="" id="{840B5547-EA02-4993-BC05-ECD305E01184}"/>
+                <a16:creationId xmlns="" xmlns:a16="http://schemas.microsoft.com/office/drawing/2014/main" id="{840B5547-EA02-4993-BC05-ECD305E01184}"/>
               </a:ext>
             </a:extLst>
           </p:cNvPr>
